--- a/project/presentation.pptx
+++ b/project/presentation.pptx
@@ -5040,7 +5040,7 @@
             </a:pPr>
             <a:r>
               <a:rPr lang="en-US" altLang="zh-CN" sz="2000" dirty="0"/>
-              <a:t>Have flaws in particular situation, where single-deep-window passenger will be wait for group-deep-middle/aisle passenger to board first</a:t>
+              <a:t>Have flaws in particular situation, where group-back-window/middle passengers will be wait for single-back-aisle passenger to board first</a:t>
             </a:r>
           </a:p>
           <a:p>
@@ -6349,7 +6349,7 @@
 </file>
 
 <file path=ppt/slides/slide2.xml><?xml version="1.0" encoding="utf-8"?>
-<p:sld xmlns:a="http://schemas.openxmlformats.org/drawingml/2006/main" xmlns:r="http://schemas.openxmlformats.org/officeDocument/2006/relationships" xmlns:p="http://schemas.openxmlformats.org/presentationml/2006/main">
+<p:sld xmlns:a="http://schemas.openxmlformats.org/drawingml/2006/main" xmlns:r="http://schemas.openxmlformats.org/officeDocument/2006/relationships" xmlns:p="http://schemas.openxmlformats.org/presentationml/2006/main" show="0">
   <p:cSld>
     <p:spTree>
       <p:nvGrpSpPr>
@@ -6931,7 +6931,7 @@
             </a:pPr>
             <a:r>
               <a:rPr lang="en-US" altLang="zh-CN" sz="2000" dirty="0"/>
-              <a:t>A real-life problem which is interesting enough, try to find the real problem inside</a:t>
+              <a:t>A real-life problem which is interesting enough, try to find the real problem within</a:t>
             </a:r>
           </a:p>
           <a:p>
@@ -6957,7 +6957,7 @@
             </a:pPr>
             <a:r>
               <a:rPr lang="en-US" altLang="zh-CN" sz="2000" dirty="0"/>
-              <a:t>The process of researching is fun, but the reality is thought-provoking.</a:t>
+              <a:t>The process of researching is fun, but the result is thought-provoking.</a:t>
             </a:r>
           </a:p>
         </p:txBody>
@@ -8361,7 +8361,7 @@
             </a:pPr>
             <a:r>
               <a:rPr lang="en-US" altLang="zh-CN" sz="2000" dirty="0"/>
-              <a:t>Used by Southwest airlines when founded, one of the unique features </a:t>
+              <a:t>Used by Southwest airlines when it founded, one of the unique features </a:t>
             </a:r>
           </a:p>
           <a:p>
